--- a/テンプレート.pptx
+++ b/テンプレート.pptx
@@ -3350,10 +3350,10 @@
       </p:sp>
       <p:sp>
         <p:nvSpPr>
-          <p:cNvPr id="10" name="TextBox 9">
+          <p:cNvPr id="11" name="TextBox 10">
             <a:extLst>
               <a:ext uri="{FF2B5EF4-FFF2-40B4-BE49-F238E27FC236}">
-                <a16:creationId xmlns:a16="http://schemas.microsoft.com/office/drawing/2014/main" id="{6AE48CB8-79EC-1916-C8D8-E6F70E7E2782}"/>
+                <a16:creationId xmlns:a16="http://schemas.microsoft.com/office/drawing/2014/main" id="{DC52BF51-778D-1007-3410-F049870FC11C}"/>
               </a:ext>
             </a:extLst>
           </p:cNvPr>
@@ -3362,13 +3362,17 @@
         </p:nvSpPr>
         <p:spPr>
           <a:xfrm>
-            <a:off x="7794702" y="301044"/>
+            <a:off x="10989593" y="104191"/>
             <a:ext cx="646331" cy="369332"/>
           </a:xfrm>
           <a:prstGeom prst="rect">
             <a:avLst/>
           </a:prstGeom>
-          <a:noFill/>
+          <a:solidFill>
+            <a:schemeClr val="accent5">
+              <a:lumMod val="75000"/>
+            </a:schemeClr>
+          </a:solidFill>
         </p:spPr>
         <p:txBody>
           <a:bodyPr wrap="none" rtlCol="0">
@@ -3377,10 +3381,13 @@
           <a:lstStyle/>
           <a:p>
             <a:r>
-              <a:rPr kumimoji="1" lang="en-US" altLang="ja-JP" dirty="0"/>
-              <a:t>Both</a:t>
-            </a:r>
-            <a:endParaRPr kumimoji="1" lang="ja-JP" altLang="en-US" dirty="0"/>
+              <a:rPr kumimoji="1" lang="ja-JP" altLang="en-US" dirty="0">
+                <a:solidFill>
+                  <a:schemeClr val="bg1"/>
+                </a:solidFill>
+              </a:rPr>
+              <a:t>両方</a:t>
+            </a:r>
           </a:p>
         </p:txBody>
       </p:sp>
@@ -3592,18 +3599,13 @@
           <a:lstStyle/>
           <a:p>
             <a:r>
-              <a:rPr kumimoji="1" lang="en-US" altLang="ja-JP" dirty="0">
+              <a:rPr kumimoji="1" lang="ja-JP" altLang="en-US" dirty="0">
                 <a:solidFill>
                   <a:schemeClr val="bg1"/>
                 </a:solidFill>
               </a:rPr>
-              <a:t>Both</a:t>
-            </a:r>
-            <a:endParaRPr kumimoji="1" lang="ja-JP" altLang="en-US" dirty="0">
-              <a:solidFill>
-                <a:schemeClr val="bg1"/>
-              </a:solidFill>
-            </a:endParaRPr>
+              <a:t>両方</a:t>
+            </a:r>
           </a:p>
         </p:txBody>
       </p:sp>
@@ -3933,18 +3935,13 @@
           <a:lstStyle/>
           <a:p>
             <a:r>
-              <a:rPr kumimoji="1" lang="en-US" altLang="ja-JP" dirty="0">
+              <a:rPr kumimoji="1" lang="ja-JP" altLang="en-US" dirty="0">
                 <a:solidFill>
                   <a:schemeClr val="bg1"/>
                 </a:solidFill>
               </a:rPr>
-              <a:t>Both</a:t>
-            </a:r>
-            <a:endParaRPr kumimoji="1" lang="ja-JP" altLang="en-US" dirty="0">
-              <a:solidFill>
-                <a:schemeClr val="bg1"/>
-              </a:solidFill>
-            </a:endParaRPr>
+              <a:t>両方</a:t>
+            </a:r>
           </a:p>
         </p:txBody>
       </p:sp>
@@ -4640,18 +4637,13 @@
           <a:lstStyle/>
           <a:p>
             <a:r>
-              <a:rPr kumimoji="1" lang="en-US" altLang="ja-JP" dirty="0">
+              <a:rPr kumimoji="1" lang="ja-JP" altLang="en-US" dirty="0">
                 <a:solidFill>
                   <a:schemeClr val="bg1"/>
                 </a:solidFill>
               </a:rPr>
-              <a:t>Both</a:t>
-            </a:r>
-            <a:endParaRPr kumimoji="1" lang="ja-JP" altLang="en-US" dirty="0">
-              <a:solidFill>
-                <a:schemeClr val="bg1"/>
-              </a:solidFill>
-            </a:endParaRPr>
+              <a:t>両方</a:t>
+            </a:r>
           </a:p>
         </p:txBody>
       </p:sp>
@@ -5012,7 +5004,7 @@
         <p:spPr>
           <a:xfrm>
             <a:off x="10989593" y="104191"/>
-            <a:ext cx="761747" cy="369332"/>
+            <a:ext cx="646331" cy="369332"/>
           </a:xfrm>
           <a:prstGeom prst="rect">
             <a:avLst/>
@@ -5030,13 +5022,18 @@
           <a:lstStyle/>
           <a:p>
             <a:r>
-              <a:rPr kumimoji="1" lang="en-US" altLang="ja-JP" dirty="0">
+              <a:rPr kumimoji="1" lang="ja-JP" altLang="en-US" dirty="0">
                 <a:solidFill>
                   <a:schemeClr val="bg1"/>
                 </a:solidFill>
               </a:rPr>
-              <a:t>Type1</a:t>
-            </a:r>
+              <a:t>両方</a:t>
+            </a:r>
+            <a:endParaRPr kumimoji="1" lang="en-US" altLang="ja-JP" dirty="0">
+              <a:solidFill>
+                <a:schemeClr val="bg1"/>
+              </a:solidFill>
+            </a:endParaRPr>
           </a:p>
         </p:txBody>
       </p:sp>
@@ -5135,7 +5132,7 @@
           <a:p>
             <a:r>
               <a:rPr lang="en-US" altLang="ja-JP" dirty="0"/>
-              <a:t>For both pptx file</a:t>
+              <a:t>Information for test team.</a:t>
             </a:r>
             <a:endParaRPr lang="ja-JP" dirty="0"/>
           </a:p>
@@ -5186,7 +5183,7 @@
         <p:spPr>
           <a:xfrm>
             <a:off x="10989593" y="104191"/>
-            <a:ext cx="646331" cy="369332"/>
+            <a:ext cx="1107996" cy="369332"/>
           </a:xfrm>
           <a:prstGeom prst="rect">
             <a:avLst/>
@@ -5204,18 +5201,13 @@
           <a:lstStyle/>
           <a:p>
             <a:r>
-              <a:rPr kumimoji="1" lang="en-US" altLang="ja-JP" dirty="0">
+              <a:rPr kumimoji="1" lang="ja-JP" altLang="en-US" dirty="0">
                 <a:solidFill>
                   <a:schemeClr val="bg1"/>
                 </a:solidFill>
               </a:rPr>
-              <a:t>Both</a:t>
-            </a:r>
-            <a:endParaRPr kumimoji="1" lang="ja-JP" altLang="en-US" dirty="0">
-              <a:solidFill>
-                <a:schemeClr val="bg1"/>
-              </a:solidFill>
-            </a:endParaRPr>
+              <a:t>試験向け</a:t>
+            </a:r>
           </a:p>
         </p:txBody>
       </p:sp>
@@ -5279,12 +5271,16 @@
           <a:lstStyle/>
           <a:p>
             <a:r>
-              <a:rPr kumimoji="1" lang="en-US" altLang="ja-JP" dirty="0"/>
-              <a:t>For </a:t>
-            </a:r>
-            <a:r>
-              <a:rPr kumimoji="1" lang="en-US" altLang="ja-JP"/>
-              <a:t>only type2.pptx</a:t>
+              <a:rPr lang="en-US" altLang="ja-JP" dirty="0">
+                <a:latin typeface="+mn-ea"/>
+              </a:rPr>
+              <a:t>Information </a:t>
+            </a:r>
+            <a:r>
+              <a:rPr lang="en-US" altLang="ja-JP">
+                <a:latin typeface="+mn-ea"/>
+              </a:rPr>
+              <a:t>for operation team.</a:t>
             </a:r>
             <a:endParaRPr lang="en-US" altLang="ja-JP" dirty="0">
               <a:latin typeface="+mn-ea"/>
@@ -5434,7 +5430,7 @@
         <p:spPr>
           <a:xfrm>
             <a:off x="10989593" y="104191"/>
-            <a:ext cx="761747" cy="369332"/>
+            <a:ext cx="1107996" cy="369332"/>
           </a:xfrm>
           <a:prstGeom prst="rect">
             <a:avLst/>
@@ -5452,13 +5448,18 @@
           <a:lstStyle/>
           <a:p>
             <a:r>
-              <a:rPr kumimoji="1" lang="en-US" altLang="ja-JP" dirty="0">
+              <a:rPr kumimoji="1" lang="ja-JP" altLang="en-US" dirty="0">
                 <a:solidFill>
                   <a:schemeClr val="bg1"/>
                 </a:solidFill>
               </a:rPr>
-              <a:t>Type2</a:t>
-            </a:r>
+              <a:t>運用向け</a:t>
+            </a:r>
+            <a:endParaRPr kumimoji="1" lang="en-US" altLang="ja-JP" dirty="0">
+              <a:solidFill>
+                <a:schemeClr val="bg1"/>
+              </a:solidFill>
+            </a:endParaRPr>
           </a:p>
         </p:txBody>
       </p:sp>
@@ -6348,12 +6349,14 @@
 </file>
 
 <file path=customXml/item1.xml><?xml version="1.0" encoding="utf-8"?>
-<?mso-contentType ?>
-<FormTemplates xmlns="http://schemas.microsoft.com/sharepoint/v3/contenttype/forms">
-  <Display>DocumentLibraryForm</Display>
-  <Edit>DocumentLibraryForm</Edit>
-  <New>DocumentLibraryForm</New>
-</FormTemplates>
+<p:properties xmlns:p="http://schemas.microsoft.com/office/2006/metadata/properties" xmlns:xsi="http://www.w3.org/2001/XMLSchema-instance" xmlns:pc="http://schemas.microsoft.com/office/infopath/2007/PartnerControls">
+  <documentManagement>
+    <lcf76f155ced4ddcb4097134ff3c332f xmlns="982d6def-2ef6-47fd-adbb-fbf083733c15">
+      <Terms xmlns="http://schemas.microsoft.com/office/infopath/2007/PartnerControls"/>
+    </lcf76f155ced4ddcb4097134ff3c332f>
+    <TaxCatchAll xmlns="a23066e0-fd52-47c5-8e6a-94d011ae15e0" xsi:nil="true"/>
+  </documentManagement>
+</p:properties>
 </file>
 
 <file path=customXml/item2.xml><?xml version="1.0" encoding="utf-8"?>
@@ -6586,20 +6589,27 @@
 </file>
 
 <file path=customXml/item3.xml><?xml version="1.0" encoding="utf-8"?>
-<p:properties xmlns:p="http://schemas.microsoft.com/office/2006/metadata/properties" xmlns:xsi="http://www.w3.org/2001/XMLSchema-instance" xmlns:pc="http://schemas.microsoft.com/office/infopath/2007/PartnerControls">
-  <documentManagement>
-    <lcf76f155ced4ddcb4097134ff3c332f xmlns="982d6def-2ef6-47fd-adbb-fbf083733c15">
-      <Terms xmlns="http://schemas.microsoft.com/office/infopath/2007/PartnerControls"/>
-    </lcf76f155ced4ddcb4097134ff3c332f>
-    <TaxCatchAll xmlns="a23066e0-fd52-47c5-8e6a-94d011ae15e0" xsi:nil="true"/>
-  </documentManagement>
-</p:properties>
+<?mso-contentType ?>
+<FormTemplates xmlns="http://schemas.microsoft.com/sharepoint/v3/contenttype/forms">
+  <Display>DocumentLibraryForm</Display>
+  <Edit>DocumentLibraryForm</Edit>
+  <New>DocumentLibraryForm</New>
+</FormTemplates>
 </file>
 
 <file path=customXml/itemProps1.xml><?xml version="1.0" encoding="utf-8"?>
-<ds:datastoreItem xmlns:ds="http://schemas.openxmlformats.org/officeDocument/2006/customXml" ds:itemID="{6429B723-3141-45DE-9AC1-B5AFBFDAA0E8}">
+<ds:datastoreItem xmlns:ds="http://schemas.openxmlformats.org/officeDocument/2006/customXml" ds:itemID="{956B219A-AE03-4D01-BDE3-D3AD3B358C4A}">
   <ds:schemaRefs>
-    <ds:schemaRef ds:uri="http://schemas.microsoft.com/sharepoint/v3/contenttype/forms"/>
+    <ds:schemaRef ds:uri="982d6def-2ef6-47fd-adbb-fbf083733c15"/>
+    <ds:schemaRef ds:uri="a23066e0-fd52-47c5-8e6a-94d011ae15e0"/>
+    <ds:schemaRef ds:uri="http://purl.org/dc/dcmitype/"/>
+    <ds:schemaRef ds:uri="http://purl.org/dc/elements/1.1/"/>
+    <ds:schemaRef ds:uri="http://purl.org/dc/terms/"/>
+    <ds:schemaRef ds:uri="http://schemas.microsoft.com/office/2006/documentManagement/types"/>
+    <ds:schemaRef ds:uri="http://schemas.microsoft.com/office/2006/metadata/properties"/>
+    <ds:schemaRef ds:uri="http://schemas.microsoft.com/office/infopath/2007/PartnerControls"/>
+    <ds:schemaRef ds:uri="http://schemas.openxmlformats.org/package/2006/metadata/core-properties"/>
+    <ds:schemaRef ds:uri="http://www.w3.org/XML/1998/namespace"/>
   </ds:schemaRefs>
 </ds:datastoreItem>
 </file>
@@ -6624,18 +6634,9 @@
 </file>
 
 <file path=customXml/itemProps3.xml><?xml version="1.0" encoding="utf-8"?>
-<ds:datastoreItem xmlns:ds="http://schemas.openxmlformats.org/officeDocument/2006/customXml" ds:itemID="{956B219A-AE03-4D01-BDE3-D3AD3B358C4A}">
+<ds:datastoreItem xmlns:ds="http://schemas.openxmlformats.org/officeDocument/2006/customXml" ds:itemID="{6429B723-3141-45DE-9AC1-B5AFBFDAA0E8}">
   <ds:schemaRefs>
-    <ds:schemaRef ds:uri="982d6def-2ef6-47fd-adbb-fbf083733c15"/>
-    <ds:schemaRef ds:uri="a23066e0-fd52-47c5-8e6a-94d011ae15e0"/>
-    <ds:schemaRef ds:uri="http://purl.org/dc/dcmitype/"/>
-    <ds:schemaRef ds:uri="http://purl.org/dc/elements/1.1/"/>
-    <ds:schemaRef ds:uri="http://purl.org/dc/terms/"/>
-    <ds:schemaRef ds:uri="http://schemas.microsoft.com/office/2006/documentManagement/types"/>
-    <ds:schemaRef ds:uri="http://schemas.microsoft.com/office/2006/metadata/properties"/>
-    <ds:schemaRef ds:uri="http://schemas.microsoft.com/office/infopath/2007/PartnerControls"/>
-    <ds:schemaRef ds:uri="http://schemas.openxmlformats.org/package/2006/metadata/core-properties"/>
-    <ds:schemaRef ds:uri="http://www.w3.org/XML/1998/namespace"/>
+    <ds:schemaRef ds:uri="http://schemas.microsoft.com/sharepoint/v3/contenttype/forms"/>
   </ds:schemaRefs>
 </ds:datastoreItem>
 </file>

--- a/テンプレート.pptx
+++ b/テンプレート.pptx
@@ -119,11 +119,15 @@
   <p:extLst>
     <p:ext uri="{521415D9-36F7-43E2-AB2F-B90AF26B5E84}">
       <p14:sectionLst xmlns:p14="http://schemas.microsoft.com/office/powerpoint/2010/main">
-        <p14:section name="既定のセクション" id="{8D2D95DC-544B-4BD9-9381-C87E4F34E979}">
+        <p14:section name="Title and ToC" id="{8D2D95DC-544B-4BD9-9381-C87E4F34E979}">
           <p14:sldIdLst>
             <p14:sldId id="286"/>
             <p14:sldId id="382"/>
             <p14:sldId id="329"/>
+          </p14:sldIdLst>
+        </p14:section>
+        <p14:section name="Section 1" id="{CB5D197C-AC0B-492A-8A66-79166F7A4113}">
+          <p14:sldIdLst>
             <p14:sldId id="480"/>
             <p14:sldId id="536"/>
             <p14:sldId id="537"/>
@@ -267,7 +271,7 @@
           <a:p>
             <a:fld id="{9A982DC6-7D38-48A0-8884-0B85031E28B9}" type="datetimeFigureOut">
               <a:rPr kumimoji="1" lang="ja-JP" altLang="en-US" smtClean="0"/>
-              <a:t>2025/4/4</a:t>
+              <a:t>2025/4/7</a:t>
             </a:fld>
             <a:endParaRPr kumimoji="1" lang="ja-JP" altLang="en-US"/>
           </a:p>
@@ -444,7 +448,7 @@
           <a:p>
             <a:fld id="{79820061-0953-4657-8A77-DE70F5E5C527}" type="datetimeFigureOut">
               <a:rPr kumimoji="1" lang="ja-JP" altLang="en-US" smtClean="0"/>
-              <a:t>2025/4/4</a:t>
+              <a:t>2025/4/7</a:t>
             </a:fld>
             <a:endParaRPr kumimoji="1" lang="ja-JP" altLang="en-US"/>
           </a:p>
@@ -1015,7 +1019,7 @@
             <a:fld id="{BAF7E326-ADF6-4594-8E67-3E1F4FA5972E}" type="datetime1">
               <a:rPr lang="ja-JP" altLang="en-US" smtClean="0"/>
               <a:pPr/>
-              <a:t>2025/4/4</a:t>
+              <a:t>2025/4/7</a:t>
             </a:fld>
             <a:endParaRPr lang="ja-JP" altLang="en-US"/>
           </a:p>
@@ -1544,7 +1548,7 @@
             <a:fld id="{072D71E8-FF1B-433E-9C32-F9DADFF61A8C}" type="datetime1">
               <a:rPr lang="ja-JP" altLang="en-US" smtClean="0"/>
               <a:pPr/>
-              <a:t>2025/4/4</a:t>
+              <a:t>2025/4/7</a:t>
             </a:fld>
             <a:endParaRPr lang="ja-JP" altLang="en-US"/>
           </a:p>
@@ -1922,7 +1926,7 @@
             <a:fld id="{403644C2-4D69-4D73-8033-E2DA30113223}" type="datetime1">
               <a:rPr lang="ja-JP" altLang="en-US" smtClean="0"/>
               <a:pPr/>
-              <a:t>2025/4/4</a:t>
+              <a:t>2025/4/7</a:t>
             </a:fld>
             <a:endParaRPr lang="ja-JP" altLang="en-US"/>
           </a:p>
@@ -2338,7 +2342,7 @@
           <a:p>
             <a:fld id="{02022441-665C-4CA7-B90C-C1B92C7201FA}" type="datetime1">
               <a:rPr kumimoji="1" lang="ja-JP" altLang="en-US" smtClean="0"/>
-              <a:t>2025/4/4</a:t>
+              <a:t>2025/4/7</a:t>
             </a:fld>
             <a:endParaRPr kumimoji="1" lang="ja-JP" altLang="en-US"/>
           </a:p>
@@ -6360,6 +6364,15 @@
 </file>
 
 <file path=customXml/item2.xml><?xml version="1.0" encoding="utf-8"?>
+<?mso-contentType ?>
+<FormTemplates xmlns="http://schemas.microsoft.com/sharepoint/v3/contenttype/forms">
+  <Display>DocumentLibraryForm</Display>
+  <Edit>DocumentLibraryForm</Edit>
+  <New>DocumentLibraryForm</New>
+</FormTemplates>
+</file>
+
+<file path=customXml/item3.xml><?xml version="1.0" encoding="utf-8"?>
 <ct:contentTypeSchema xmlns:ct="http://schemas.microsoft.com/office/2006/metadata/contentType" xmlns:ma="http://schemas.microsoft.com/office/2006/metadata/properties/metaAttributes" ct:_="" ma:_="" ma:contentTypeName="ドキュメント" ma:contentTypeID="0x0101001505D91EB3C8C64998A350A7754318DA" ma:contentTypeVersion="14" ma:contentTypeDescription="新しいドキュメントを作成します。" ma:contentTypeScope="" ma:versionID="d47451cacf924a8ef1fd5f7f545ee38c">
   <xsd:schema xmlns:xsd="http://www.w3.org/2001/XMLSchema" xmlns:xs="http://www.w3.org/2001/XMLSchema" xmlns:p="http://schemas.microsoft.com/office/2006/metadata/properties" xmlns:ns2="982d6def-2ef6-47fd-adbb-fbf083733c15" xmlns:ns3="a23066e0-fd52-47c5-8e6a-94d011ae15e0" targetNamespace="http://schemas.microsoft.com/office/2006/metadata/properties" ma:root="true" ma:fieldsID="d78624833b0e8ff2a4a9173d1b289f9a" ns2:_="" ns3:_="">
     <xsd:import namespace="982d6def-2ef6-47fd-adbb-fbf083733c15"/>
@@ -6588,15 +6601,6 @@
 </ct:contentTypeSchema>
 </file>
 
-<file path=customXml/item3.xml><?xml version="1.0" encoding="utf-8"?>
-<?mso-contentType ?>
-<FormTemplates xmlns="http://schemas.microsoft.com/sharepoint/v3/contenttype/forms">
-  <Display>DocumentLibraryForm</Display>
-  <Edit>DocumentLibraryForm</Edit>
-  <New>DocumentLibraryForm</New>
-</FormTemplates>
-</file>
-
 <file path=customXml/itemProps1.xml><?xml version="1.0" encoding="utf-8"?>
 <ds:datastoreItem xmlns:ds="http://schemas.openxmlformats.org/officeDocument/2006/customXml" ds:itemID="{956B219A-AE03-4D01-BDE3-D3AD3B358C4A}">
   <ds:schemaRefs>
@@ -6615,6 +6619,14 @@
 </file>
 
 <file path=customXml/itemProps2.xml><?xml version="1.0" encoding="utf-8"?>
+<ds:datastoreItem xmlns:ds="http://schemas.openxmlformats.org/officeDocument/2006/customXml" ds:itemID="{6429B723-3141-45DE-9AC1-B5AFBFDAA0E8}">
+  <ds:schemaRefs>
+    <ds:schemaRef ds:uri="http://schemas.microsoft.com/sharepoint/v3/contenttype/forms"/>
+  </ds:schemaRefs>
+</ds:datastoreItem>
+</file>
+
+<file path=customXml/itemProps3.xml><?xml version="1.0" encoding="utf-8"?>
 <ds:datastoreItem xmlns:ds="http://schemas.openxmlformats.org/officeDocument/2006/customXml" ds:itemID="{F3F83BB8-F9B8-4BEC-8958-FF4EDB0016B5}">
   <ds:schemaRefs>
     <ds:schemaRef ds:uri="982d6def-2ef6-47fd-adbb-fbf083733c15"/>
@@ -6633,14 +6645,6 @@
 </ds:datastoreItem>
 </file>
 
-<file path=customXml/itemProps3.xml><?xml version="1.0" encoding="utf-8"?>
-<ds:datastoreItem xmlns:ds="http://schemas.openxmlformats.org/officeDocument/2006/customXml" ds:itemID="{6429B723-3141-45DE-9AC1-B5AFBFDAA0E8}">
-  <ds:schemaRefs>
-    <ds:schemaRef ds:uri="http://schemas.microsoft.com/sharepoint/v3/contenttype/forms"/>
-  </ds:schemaRefs>
-</ds:datastoreItem>
-</file>
-
 <file path=docMetadata/LabelInfo.xml><?xml version="1.0" encoding="utf-8"?>
 <clbl:labelList xmlns:clbl="http://schemas.microsoft.com/office/2020/mipLabelMetadata">
   <clbl:label id="{6786d483-f51b-44bd-b40a-6fe409a5265e}" enabled="0" method="" siteId="{6786d483-f51b-44bd-b40a-6fe409a5265e}" removed="1"/>

--- a/テンプレート.pptx
+++ b/テンプレート.pptx
@@ -3367,7 +3367,7 @@
         <p:spPr>
           <a:xfrm>
             <a:off x="10989593" y="104191"/>
-            <a:ext cx="646331" cy="369332"/>
+            <a:ext cx="1685077" cy="369332"/>
           </a:xfrm>
           <a:prstGeom prst="rect">
             <a:avLst/>
@@ -3390,7 +3390,23 @@
                   <a:schemeClr val="bg1"/>
                 </a:solidFill>
               </a:rPr>
-              <a:t>両方</a:t>
+              <a:t>試験</a:t>
+            </a:r>
+            <a:r>
+              <a:rPr kumimoji="1" lang="en-US" altLang="ja-JP" dirty="0">
+                <a:solidFill>
+                  <a:schemeClr val="bg1"/>
+                </a:solidFill>
+              </a:rPr>
+              <a:t>/</a:t>
+            </a:r>
+            <a:r>
+              <a:rPr kumimoji="1" lang="ja-JP" altLang="en-US" dirty="0">
+                <a:solidFill>
+                  <a:schemeClr val="bg1"/>
+                </a:solidFill>
+              </a:rPr>
+              <a:t>運用向け</a:t>
             </a:r>
           </a:p>
         </p:txBody>
@@ -3585,7 +3601,7 @@
         <p:spPr>
           <a:xfrm>
             <a:off x="10989593" y="104191"/>
-            <a:ext cx="646331" cy="369332"/>
+            <a:ext cx="1685077" cy="369332"/>
           </a:xfrm>
           <a:prstGeom prst="rect">
             <a:avLst/>
@@ -3608,7 +3624,23 @@
                   <a:schemeClr val="bg1"/>
                 </a:solidFill>
               </a:rPr>
-              <a:t>両方</a:t>
+              <a:t>試験</a:t>
+            </a:r>
+            <a:r>
+              <a:rPr kumimoji="1" lang="en-US" altLang="ja-JP" dirty="0">
+                <a:solidFill>
+                  <a:schemeClr val="bg1"/>
+                </a:solidFill>
+              </a:rPr>
+              <a:t>/</a:t>
+            </a:r>
+            <a:r>
+              <a:rPr kumimoji="1" lang="ja-JP" altLang="en-US" dirty="0">
+                <a:solidFill>
+                  <a:schemeClr val="bg1"/>
+                </a:solidFill>
+              </a:rPr>
+              <a:t>運用向け</a:t>
             </a:r>
           </a:p>
         </p:txBody>
@@ -3921,7 +3953,7 @@
         <p:spPr>
           <a:xfrm>
             <a:off x="10989593" y="104191"/>
-            <a:ext cx="646331" cy="369332"/>
+            <a:ext cx="1685077" cy="369332"/>
           </a:xfrm>
           <a:prstGeom prst="rect">
             <a:avLst/>
@@ -3944,7 +3976,23 @@
                   <a:schemeClr val="bg1"/>
                 </a:solidFill>
               </a:rPr>
-              <a:t>両方</a:t>
+              <a:t>試験</a:t>
+            </a:r>
+            <a:r>
+              <a:rPr kumimoji="1" lang="en-US" altLang="ja-JP" dirty="0">
+                <a:solidFill>
+                  <a:schemeClr val="bg1"/>
+                </a:solidFill>
+              </a:rPr>
+              <a:t>/</a:t>
+            </a:r>
+            <a:r>
+              <a:rPr kumimoji="1" lang="ja-JP" altLang="en-US" dirty="0">
+                <a:solidFill>
+                  <a:schemeClr val="bg1"/>
+                </a:solidFill>
+              </a:rPr>
+              <a:t>運用向け</a:t>
             </a:r>
           </a:p>
         </p:txBody>
@@ -4623,7 +4671,7 @@
         <p:spPr>
           <a:xfrm>
             <a:off x="10989593" y="104191"/>
-            <a:ext cx="646331" cy="369332"/>
+            <a:ext cx="1685077" cy="369332"/>
           </a:xfrm>
           <a:prstGeom prst="rect">
             <a:avLst/>
@@ -4646,7 +4694,23 @@
                   <a:schemeClr val="bg1"/>
                 </a:solidFill>
               </a:rPr>
-              <a:t>両方</a:t>
+              <a:t>試験</a:t>
+            </a:r>
+            <a:r>
+              <a:rPr kumimoji="1" lang="en-US" altLang="ja-JP" dirty="0">
+                <a:solidFill>
+                  <a:schemeClr val="bg1"/>
+                </a:solidFill>
+              </a:rPr>
+              <a:t>/</a:t>
+            </a:r>
+            <a:r>
+              <a:rPr kumimoji="1" lang="ja-JP" altLang="en-US" dirty="0">
+                <a:solidFill>
+                  <a:schemeClr val="bg1"/>
+                </a:solidFill>
+              </a:rPr>
+              <a:t>運用向け</a:t>
             </a:r>
           </a:p>
         </p:txBody>
@@ -5008,7 +5072,7 @@
         <p:spPr>
           <a:xfrm>
             <a:off x="10989593" y="104191"/>
-            <a:ext cx="646331" cy="369332"/>
+            <a:ext cx="1685077" cy="369332"/>
           </a:xfrm>
           <a:prstGeom prst="rect">
             <a:avLst/>
@@ -5031,7 +5095,23 @@
                   <a:schemeClr val="bg1"/>
                 </a:solidFill>
               </a:rPr>
-              <a:t>両方</a:t>
+              <a:t>試験</a:t>
+            </a:r>
+            <a:r>
+              <a:rPr kumimoji="1" lang="en-US" altLang="ja-JP" dirty="0">
+                <a:solidFill>
+                  <a:schemeClr val="bg1"/>
+                </a:solidFill>
+              </a:rPr>
+              <a:t>/</a:t>
+            </a:r>
+            <a:r>
+              <a:rPr kumimoji="1" lang="ja-JP" altLang="en-US" dirty="0">
+                <a:solidFill>
+                  <a:schemeClr val="bg1"/>
+                </a:solidFill>
+              </a:rPr>
+              <a:t>運用向け</a:t>
             </a:r>
             <a:endParaRPr kumimoji="1" lang="en-US" altLang="ja-JP" dirty="0">
               <a:solidFill>
@@ -6353,26 +6433,6 @@
 </file>
 
 <file path=customXml/item1.xml><?xml version="1.0" encoding="utf-8"?>
-<p:properties xmlns:p="http://schemas.microsoft.com/office/2006/metadata/properties" xmlns:xsi="http://www.w3.org/2001/XMLSchema-instance" xmlns:pc="http://schemas.microsoft.com/office/infopath/2007/PartnerControls">
-  <documentManagement>
-    <lcf76f155ced4ddcb4097134ff3c332f xmlns="982d6def-2ef6-47fd-adbb-fbf083733c15">
-      <Terms xmlns="http://schemas.microsoft.com/office/infopath/2007/PartnerControls"/>
-    </lcf76f155ced4ddcb4097134ff3c332f>
-    <TaxCatchAll xmlns="a23066e0-fd52-47c5-8e6a-94d011ae15e0" xsi:nil="true"/>
-  </documentManagement>
-</p:properties>
-</file>
-
-<file path=customXml/item2.xml><?xml version="1.0" encoding="utf-8"?>
-<?mso-contentType ?>
-<FormTemplates xmlns="http://schemas.microsoft.com/sharepoint/v3/contenttype/forms">
-  <Display>DocumentLibraryForm</Display>
-  <Edit>DocumentLibraryForm</Edit>
-  <New>DocumentLibraryForm</New>
-</FormTemplates>
-</file>
-
-<file path=customXml/item3.xml><?xml version="1.0" encoding="utf-8"?>
 <ct:contentTypeSchema xmlns:ct="http://schemas.microsoft.com/office/2006/metadata/contentType" xmlns:ma="http://schemas.microsoft.com/office/2006/metadata/properties/metaAttributes" ct:_="" ma:_="" ma:contentTypeName="ドキュメント" ma:contentTypeID="0x0101001505D91EB3C8C64998A350A7754318DA" ma:contentTypeVersion="14" ma:contentTypeDescription="新しいドキュメントを作成します。" ma:contentTypeScope="" ma:versionID="d47451cacf924a8ef1fd5f7f545ee38c">
   <xsd:schema xmlns:xsd="http://www.w3.org/2001/XMLSchema" xmlns:xs="http://www.w3.org/2001/XMLSchema" xmlns:p="http://schemas.microsoft.com/office/2006/metadata/properties" xmlns:ns2="982d6def-2ef6-47fd-adbb-fbf083733c15" xmlns:ns3="a23066e0-fd52-47c5-8e6a-94d011ae15e0" targetNamespace="http://schemas.microsoft.com/office/2006/metadata/properties" ma:root="true" ma:fieldsID="d78624833b0e8ff2a4a9173d1b289f9a" ns2:_="" ns3:_="">
     <xsd:import namespace="982d6def-2ef6-47fd-adbb-fbf083733c15"/>
@@ -6601,32 +6661,27 @@
 </ct:contentTypeSchema>
 </file>
 
-<file path=customXml/itemProps1.xml><?xml version="1.0" encoding="utf-8"?>
-<ds:datastoreItem xmlns:ds="http://schemas.openxmlformats.org/officeDocument/2006/customXml" ds:itemID="{956B219A-AE03-4D01-BDE3-D3AD3B358C4A}">
-  <ds:schemaRefs>
-    <ds:schemaRef ds:uri="982d6def-2ef6-47fd-adbb-fbf083733c15"/>
-    <ds:schemaRef ds:uri="a23066e0-fd52-47c5-8e6a-94d011ae15e0"/>
-    <ds:schemaRef ds:uri="http://purl.org/dc/dcmitype/"/>
-    <ds:schemaRef ds:uri="http://purl.org/dc/elements/1.1/"/>
-    <ds:schemaRef ds:uri="http://purl.org/dc/terms/"/>
-    <ds:schemaRef ds:uri="http://schemas.microsoft.com/office/2006/documentManagement/types"/>
-    <ds:schemaRef ds:uri="http://schemas.microsoft.com/office/2006/metadata/properties"/>
-    <ds:schemaRef ds:uri="http://schemas.microsoft.com/office/infopath/2007/PartnerControls"/>
-    <ds:schemaRef ds:uri="http://schemas.openxmlformats.org/package/2006/metadata/core-properties"/>
-    <ds:schemaRef ds:uri="http://www.w3.org/XML/1998/namespace"/>
-  </ds:schemaRefs>
-</ds:datastoreItem>
+<file path=customXml/item2.xml><?xml version="1.0" encoding="utf-8"?>
+<?mso-contentType ?>
+<FormTemplates xmlns="http://schemas.microsoft.com/sharepoint/v3/contenttype/forms">
+  <Display>DocumentLibraryForm</Display>
+  <Edit>DocumentLibraryForm</Edit>
+  <New>DocumentLibraryForm</New>
+</FormTemplates>
 </file>
 
-<file path=customXml/itemProps2.xml><?xml version="1.0" encoding="utf-8"?>
-<ds:datastoreItem xmlns:ds="http://schemas.openxmlformats.org/officeDocument/2006/customXml" ds:itemID="{6429B723-3141-45DE-9AC1-B5AFBFDAA0E8}">
-  <ds:schemaRefs>
-    <ds:schemaRef ds:uri="http://schemas.microsoft.com/sharepoint/v3/contenttype/forms"/>
-  </ds:schemaRefs>
-</ds:datastoreItem>
+<file path=customXml/item3.xml><?xml version="1.0" encoding="utf-8"?>
+<p:properties xmlns:p="http://schemas.microsoft.com/office/2006/metadata/properties" xmlns:xsi="http://www.w3.org/2001/XMLSchema-instance" xmlns:pc="http://schemas.microsoft.com/office/infopath/2007/PartnerControls">
+  <documentManagement>
+    <lcf76f155ced4ddcb4097134ff3c332f xmlns="982d6def-2ef6-47fd-adbb-fbf083733c15">
+      <Terms xmlns="http://schemas.microsoft.com/office/infopath/2007/PartnerControls"/>
+    </lcf76f155ced4ddcb4097134ff3c332f>
+    <TaxCatchAll xmlns="a23066e0-fd52-47c5-8e6a-94d011ae15e0" xsi:nil="true"/>
+  </documentManagement>
+</p:properties>
 </file>
 
-<file path=customXml/itemProps3.xml><?xml version="1.0" encoding="utf-8"?>
+<file path=customXml/itemProps1.xml><?xml version="1.0" encoding="utf-8"?>
 <ds:datastoreItem xmlns:ds="http://schemas.openxmlformats.org/officeDocument/2006/customXml" ds:itemID="{F3F83BB8-F9B8-4BEC-8958-FF4EDB0016B5}">
   <ds:schemaRefs>
     <ds:schemaRef ds:uri="982d6def-2ef6-47fd-adbb-fbf083733c15"/>
@@ -6645,6 +6700,31 @@
 </ds:datastoreItem>
 </file>
 
+<file path=customXml/itemProps2.xml><?xml version="1.0" encoding="utf-8"?>
+<ds:datastoreItem xmlns:ds="http://schemas.openxmlformats.org/officeDocument/2006/customXml" ds:itemID="{6429B723-3141-45DE-9AC1-B5AFBFDAA0E8}">
+  <ds:schemaRefs>
+    <ds:schemaRef ds:uri="http://schemas.microsoft.com/sharepoint/v3/contenttype/forms"/>
+  </ds:schemaRefs>
+</ds:datastoreItem>
+</file>
+
+<file path=customXml/itemProps3.xml><?xml version="1.0" encoding="utf-8"?>
+<ds:datastoreItem xmlns:ds="http://schemas.openxmlformats.org/officeDocument/2006/customXml" ds:itemID="{956B219A-AE03-4D01-BDE3-D3AD3B358C4A}">
+  <ds:schemaRefs>
+    <ds:schemaRef ds:uri="982d6def-2ef6-47fd-adbb-fbf083733c15"/>
+    <ds:schemaRef ds:uri="a23066e0-fd52-47c5-8e6a-94d011ae15e0"/>
+    <ds:schemaRef ds:uri="http://purl.org/dc/dcmitype/"/>
+    <ds:schemaRef ds:uri="http://purl.org/dc/elements/1.1/"/>
+    <ds:schemaRef ds:uri="http://purl.org/dc/terms/"/>
+    <ds:schemaRef ds:uri="http://schemas.microsoft.com/office/2006/documentManagement/types"/>
+    <ds:schemaRef ds:uri="http://schemas.microsoft.com/office/2006/metadata/properties"/>
+    <ds:schemaRef ds:uri="http://schemas.microsoft.com/office/infopath/2007/PartnerControls"/>
+    <ds:schemaRef ds:uri="http://schemas.openxmlformats.org/package/2006/metadata/core-properties"/>
+    <ds:schemaRef ds:uri="http://www.w3.org/XML/1998/namespace"/>
+  </ds:schemaRefs>
+</ds:datastoreItem>
+</file>
+
 <file path=docMetadata/LabelInfo.xml><?xml version="1.0" encoding="utf-8"?>
 <clbl:labelList xmlns:clbl="http://schemas.microsoft.com/office/2020/mipLabelMetadata">
   <clbl:label id="{6786d483-f51b-44bd-b40a-6fe409a5265e}" enabled="0" method="" siteId="{6786d483-f51b-44bd-b40a-6fe409a5265e}" removed="1"/>
